--- a/cste_slides/CSTE_2024.pptx
+++ b/cste_slides/CSTE_2024.pptx
@@ -5012,7 +5012,7 @@
           <a:p>
             <a:fld id="{0182E523-B126-46EF-87E8-48CEB670AD6C}" type="datetimeFigureOut">
               <a:rPr lang="en-US" smtClean="0"/>
-              <a:t>5/24/2024</a:t>
+              <a:t>7/15/2024</a:t>
             </a:fld>
             <a:endParaRPr lang="en-US"/>
           </a:p>
@@ -6136,7 +6136,7 @@
           <a:p>
             <a:r>
               <a:rPr lang="en-US" dirty="0"/>
-              <a:t>R code for this project is available on GitHub </a:t>
+              <a:t>R code for this project is available on GitHub at https://github.com/DOH-PXC5303/io_coding.git</a:t>
             </a:r>
           </a:p>
         </p:txBody>
@@ -7823,7 +7823,7 @@
           <a:p>
             <a:fld id="{6BE5E751-B780-422B-A4CD-0C0F7498CAD5}" type="datetimeFigureOut">
               <a:rPr lang="en-US" smtClean="0"/>
-              <a:t>5/24/2024</a:t>
+              <a:t>7/15/2024</a:t>
             </a:fld>
             <a:endParaRPr lang="en-US"/>
           </a:p>
@@ -8021,7 +8021,7 @@
           <a:p>
             <a:fld id="{6BE5E751-B780-422B-A4CD-0C0F7498CAD5}" type="datetimeFigureOut">
               <a:rPr lang="en-US" smtClean="0"/>
-              <a:t>5/24/2024</a:t>
+              <a:t>7/15/2024</a:t>
             </a:fld>
             <a:endParaRPr lang="en-US"/>
           </a:p>
@@ -8229,7 +8229,7 @@
           <a:p>
             <a:fld id="{6BE5E751-B780-422B-A4CD-0C0F7498CAD5}" type="datetimeFigureOut">
               <a:rPr lang="en-US" smtClean="0"/>
-              <a:t>5/24/2024</a:t>
+              <a:t>7/15/2024</a:t>
             </a:fld>
             <a:endParaRPr lang="en-US"/>
           </a:p>
@@ -9257,7 +9257,7 @@
           <a:p>
             <a:fld id="{6BE5E751-B780-422B-A4CD-0C0F7498CAD5}" type="datetimeFigureOut">
               <a:rPr lang="en-US" smtClean="0"/>
-              <a:t>5/24/2024</a:t>
+              <a:t>7/15/2024</a:t>
             </a:fld>
             <a:endParaRPr lang="en-US"/>
           </a:p>
@@ -9532,7 +9532,7 @@
           <a:p>
             <a:fld id="{6BE5E751-B780-422B-A4CD-0C0F7498CAD5}" type="datetimeFigureOut">
               <a:rPr lang="en-US" smtClean="0"/>
-              <a:t>5/24/2024</a:t>
+              <a:t>7/15/2024</a:t>
             </a:fld>
             <a:endParaRPr lang="en-US"/>
           </a:p>
@@ -9797,7 +9797,7 @@
           <a:p>
             <a:fld id="{6BE5E751-B780-422B-A4CD-0C0F7498CAD5}" type="datetimeFigureOut">
               <a:rPr lang="en-US" smtClean="0"/>
-              <a:t>5/24/2024</a:t>
+              <a:t>7/15/2024</a:t>
             </a:fld>
             <a:endParaRPr lang="en-US"/>
           </a:p>
@@ -10209,7 +10209,7 @@
           <a:p>
             <a:fld id="{6BE5E751-B780-422B-A4CD-0C0F7498CAD5}" type="datetimeFigureOut">
               <a:rPr lang="en-US" smtClean="0"/>
-              <a:t>5/24/2024</a:t>
+              <a:t>7/15/2024</a:t>
             </a:fld>
             <a:endParaRPr lang="en-US"/>
           </a:p>
@@ -10350,7 +10350,7 @@
           <a:p>
             <a:fld id="{6BE5E751-B780-422B-A4CD-0C0F7498CAD5}" type="datetimeFigureOut">
               <a:rPr lang="en-US" smtClean="0"/>
-              <a:t>5/24/2024</a:t>
+              <a:t>7/15/2024</a:t>
             </a:fld>
             <a:endParaRPr lang="en-US"/>
           </a:p>
@@ -10463,7 +10463,7 @@
           <a:p>
             <a:fld id="{6BE5E751-B780-422B-A4CD-0C0F7498CAD5}" type="datetimeFigureOut">
               <a:rPr lang="en-US" smtClean="0"/>
-              <a:t>5/24/2024</a:t>
+              <a:t>7/15/2024</a:t>
             </a:fld>
             <a:endParaRPr lang="en-US"/>
           </a:p>
@@ -10774,7 +10774,7 @@
           <a:p>
             <a:fld id="{6BE5E751-B780-422B-A4CD-0C0F7498CAD5}" type="datetimeFigureOut">
               <a:rPr lang="en-US" smtClean="0"/>
-              <a:t>5/24/2024</a:t>
+              <a:t>7/15/2024</a:t>
             </a:fld>
             <a:endParaRPr lang="en-US"/>
           </a:p>
@@ -11062,7 +11062,7 @@
           <a:p>
             <a:fld id="{6BE5E751-B780-422B-A4CD-0C0F7498CAD5}" type="datetimeFigureOut">
               <a:rPr lang="en-US" smtClean="0"/>
-              <a:t>5/24/2024</a:t>
+              <a:t>7/15/2024</a:t>
             </a:fld>
             <a:endParaRPr lang="en-US"/>
           </a:p>
@@ -11303,7 +11303,7 @@
           <a:p>
             <a:fld id="{6BE5E751-B780-422B-A4CD-0C0F7498CAD5}" type="datetimeFigureOut">
               <a:rPr lang="en-US" smtClean="0"/>
-              <a:t>5/24/2024</a:t>
+              <a:t>7/15/2024</a:t>
             </a:fld>
             <a:endParaRPr lang="en-US"/>
           </a:p>
@@ -16006,7 +16006,7 @@
           <a:lstStyle/>
           <a:p>
             <a:r>
-              <a:rPr lang="en-US"/>
+              <a:rPr lang="en-US" dirty="0"/>
               <a:t>Thank you!</a:t>
             </a:r>
           </a:p>
@@ -16042,33 +16042,33 @@
           <a:p>
             <a:pPr algn="r"/>
             <a:r>
-              <a:rPr lang="en-US" sz="3600">
+              <a:rPr lang="en-US" sz="3600" dirty="0">
                 <a:cs typeface="Calibri"/>
               </a:rPr>
               <a:t> </a:t>
             </a:r>
             <a:r>
-              <a:rPr lang="en-US">
+              <a:rPr lang="en-US" dirty="0">
                 <a:cs typeface="Calibri"/>
               </a:rPr>
               <a:t>       </a:t>
             </a:r>
-            <a:endParaRPr lang="en-US"/>
+            <a:endParaRPr lang="en-US" dirty="0"/>
           </a:p>
           <a:p>
             <a:pPr algn="r"/>
             <a:r>
-              <a:rPr lang="en-US">
+              <a:rPr lang="en-US" dirty="0">
                 <a:cs typeface="Calibri"/>
               </a:rPr>
               <a:t>Extraction                               </a:t>
             </a:r>
-            <a:endParaRPr lang="en-US"/>
+            <a:endParaRPr lang="en-US" dirty="0"/>
           </a:p>
           <a:p>
             <a:pPr algn="r"/>
             <a:r>
-              <a:rPr lang="en-US">
+              <a:rPr lang="en-US" dirty="0">
                 <a:cs typeface="Calibri"/>
               </a:rPr>
               <a:t>Transformation                               </a:t>
@@ -16077,12 +16077,12 @@
           <a:p>
             <a:pPr algn="r"/>
             <a:r>
-              <a:rPr lang="en-US">
+              <a:rPr lang="en-US" dirty="0">
                 <a:cs typeface="Calibri"/>
               </a:rPr>
               <a:t>Analysis:                              </a:t>
             </a:r>
-            <a:endParaRPr lang="en-US">
+            <a:endParaRPr lang="en-US" dirty="0">
               <a:ea typeface="+mn-lt"/>
               <a:cs typeface="+mn-lt"/>
             </a:endParaRPr>
@@ -16091,10 +16091,10 @@
       </p:sp>
       <p:pic>
         <p:nvPicPr>
-          <p:cNvPr id="6" name="Picture 5">
+          <p:cNvPr id="8" name="Picture 7" descr="A blue and white qr code&#10;&#10;Description automatically generated">
             <a:extLst>
               <a:ext uri="{FF2B5EF4-FFF2-40B4-BE49-F238E27FC236}">
-                <a16:creationId xmlns:a16="http://schemas.microsoft.com/office/drawing/2014/main" id="{D0CDA065-1E94-813B-7602-78CE13E302E3}"/>
+                <a16:creationId xmlns:a16="http://schemas.microsoft.com/office/drawing/2014/main" id="{35DD48A7-6451-FF44-A1B0-02C8F6CAA653}"/>
               </a:ext>
             </a:extLst>
           </p:cNvPr>
@@ -16104,15 +16104,31 @@
           <p:nvPr/>
         </p:nvPicPr>
         <p:blipFill>
-          <a:blip r:embed="rId3"/>
+          <a:blip r:embed="rId3">
+            <a:clrChange>
+              <a:clrFrom>
+                <a:srgbClr val="FFFFFF"/>
+              </a:clrFrom>
+              <a:clrTo>
+                <a:srgbClr val="FFFFFF">
+                  <a:alpha val="0"/>
+                </a:srgbClr>
+              </a:clrTo>
+            </a:clrChange>
+            <a:extLst>
+              <a:ext uri="{28A0092B-C50C-407E-A947-70E740481C1C}">
+                <a14:useLocalDpi xmlns:a14="http://schemas.microsoft.com/office/drawing/2010/main" val="0"/>
+              </a:ext>
+            </a:extLst>
+          </a:blip>
           <a:stretch>
             <a:fillRect/>
           </a:stretch>
         </p:blipFill>
         <p:spPr>
           <a:xfrm>
-            <a:off x="9210907" y="3960541"/>
-            <a:ext cx="2737625" cy="2737625"/>
+            <a:off x="9210906" y="3960540"/>
+            <a:ext cx="2737626" cy="2737626"/>
           </a:xfrm>
           <a:prstGeom prst="rect">
             <a:avLst/>
@@ -19450,6 +19466,15 @@
 </file>
 
 <file path=customXml/item1.xml><?xml version="1.0" encoding="utf-8"?>
+<?mso-contentType ?>
+<FormTemplates xmlns="http://schemas.microsoft.com/sharepoint/v3/contenttype/forms">
+  <Display>DocumentLibraryForm</Display>
+  <Edit>DocumentLibraryForm</Edit>
+  <New>DocumentLibraryForm</New>
+</FormTemplates>
+</file>
+
+<file path=customXml/item2.xml><?xml version="1.0" encoding="utf-8"?>
 <ct:contentTypeSchema xmlns:ct="http://schemas.microsoft.com/office/2006/metadata/contentType" xmlns:ma="http://schemas.microsoft.com/office/2006/metadata/properties/metaAttributes" ct:_="" ma:_="" ma:contentTypeName="Document" ma:contentTypeID="0x010100C49C899350C1074B801317E888D1A70B" ma:contentTypeVersion="18" ma:contentTypeDescription="Create a new document." ma:contentTypeScope="" ma:versionID="c65b65311ccb072430f15cda953de8ab">
   <xsd:schema xmlns:xsd="http://www.w3.org/2001/XMLSchema" xmlns:xs="http://www.w3.org/2001/XMLSchema" xmlns:p="http://schemas.microsoft.com/office/2006/metadata/properties" xmlns:ns1="http://schemas.microsoft.com/sharepoint/v3" xmlns:ns2="e7e371ef-29b3-492e-9825-8b235b478169" xmlns:ns3="430d46ca-5fbd-42a8-8a51-660f0039429d" targetNamespace="http://schemas.microsoft.com/office/2006/metadata/properties" ma:root="true" ma:fieldsID="a82fb06f126feba78673f625d8615e97" ns1:_="" ns2:_="" ns3:_="">
     <xsd:import namespace="http://schemas.microsoft.com/sharepoint/v3"/>
@@ -19707,15 +19732,6 @@
 </ct:contentTypeSchema>
 </file>
 
-<file path=customXml/item2.xml><?xml version="1.0" encoding="utf-8"?>
-<?mso-contentType ?>
-<FormTemplates xmlns="http://schemas.microsoft.com/sharepoint/v3/contenttype/forms">
-  <Display>DocumentLibraryForm</Display>
-  <Edit>DocumentLibraryForm</Edit>
-  <New>DocumentLibraryForm</New>
-</FormTemplates>
-</file>
-
 <file path=customXml/item3.xml><?xml version="1.0" encoding="utf-8"?>
 <p:properties xmlns:p="http://schemas.microsoft.com/office/2006/metadata/properties" xmlns:xsi="http://www.w3.org/2001/XMLSchema-instance" xmlns:pc="http://schemas.microsoft.com/office/infopath/2007/PartnerControls">
   <documentManagement>
@@ -19749,6 +19765,14 @@
 </file>
 
 <file path=customXml/itemProps1.xml><?xml version="1.0" encoding="utf-8"?>
+<ds:datastoreItem xmlns:ds="http://schemas.openxmlformats.org/officeDocument/2006/customXml" ds:itemID="{A9C2EAF4-9B2C-429A-B78B-3833A0F44CB8}">
+  <ds:schemaRefs>
+    <ds:schemaRef ds:uri="http://schemas.microsoft.com/sharepoint/v3/contenttype/forms"/>
+  </ds:schemaRefs>
+</ds:datastoreItem>
+</file>
+
+<file path=customXml/itemProps2.xml><?xml version="1.0" encoding="utf-8"?>
 <ds:datastoreItem xmlns:ds="http://schemas.openxmlformats.org/officeDocument/2006/customXml" ds:itemID="{75522B20-2475-433E-A21D-D8FBC452D1B9}">
   <ds:schemaRefs>
     <ds:schemaRef ds:uri="430d46ca-5fbd-42a8-8a51-660f0039429d"/>
@@ -19764,14 +19788,6 @@
     <ds:schemaRef ds:uri="http://schemas.microsoft.com/sharepoint/v3"/>
     <ds:schemaRef ds:uri="http://schemas.openxmlformats.org/package/2006/metadata/core-properties"/>
     <ds:schemaRef ds:uri="http://www.w3.org/2001/XMLSchema"/>
-  </ds:schemaRefs>
-</ds:datastoreItem>
-</file>
-
-<file path=customXml/itemProps2.xml><?xml version="1.0" encoding="utf-8"?>
-<ds:datastoreItem xmlns:ds="http://schemas.openxmlformats.org/officeDocument/2006/customXml" ds:itemID="{A9C2EAF4-9B2C-429A-B78B-3833A0F44CB8}">
-  <ds:schemaRefs>
-    <ds:schemaRef ds:uri="http://schemas.microsoft.com/sharepoint/v3/contenttype/forms"/>
   </ds:schemaRefs>
 </ds:datastoreItem>
 </file>
